--- a/assets/靶点库2.pptx
+++ b/assets/靶点库2.pptx
@@ -4104,7 +4104,7 @@
         </p:blipFill>
         <p:spPr>
           <a:xfrm>
-            <a:off x="440727" y="1538656"/>
+            <a:off x="688377" y="1477061"/>
             <a:ext cx="3465094" cy="1273836"/>
           </a:xfrm>
           <a:prstGeom prst="rect">
@@ -12399,6 +12399,30 @@
           <a:xfrm>
             <a:off x="6949373" y="2090907"/>
             <a:ext cx="2194627" cy="3600209"/>
+          </a:xfrm>
+          <a:prstGeom prst="rect">
+            <a:avLst/>
+          </a:prstGeom>
+        </p:spPr>
+      </p:pic>
+      <p:pic>
+        <p:nvPicPr>
+          <p:cNvPr id="2" name="图片 1"/>
+          <p:cNvPicPr>
+            <a:picLocks noChangeAspect="1"/>
+          </p:cNvPicPr>
+          <p:nvPr/>
+        </p:nvPicPr>
+        <p:blipFill>
+          <a:blip r:embed="rId1"/>
+          <a:stretch>
+            <a:fillRect/>
+          </a:stretch>
+        </p:blipFill>
+        <p:spPr>
+          <a:xfrm>
+            <a:off x="-6985" y="2090908"/>
+            <a:ext cx="2375236" cy="3600210"/>
           </a:xfrm>
           <a:prstGeom prst="rect">
             <a:avLst/>
